--- a/Ch12_CSS3 Web排版/12.CSS3 Web排版.pptx
+++ b/Ch12_CSS3 Web排版/12.CSS3 Web排版.pptx
@@ -236,7 +236,7 @@
           <a:p>
             <a:fld id="{D2A48B96-639E-45A3-A0BA-2464DFDB1FAA}" type="datetimeFigureOut">
               <a:rPr lang="zh-CN" altLang="en-US" smtClean="0"/>
-              <a:t>2017/5/19</a:t>
+              <a:t>2017/8/16</a:t>
             </a:fld>
             <a:endParaRPr lang="zh-CN" altLang="en-US"/>
           </a:p>
@@ -2992,7 +2992,7 @@
           <a:p>
             <a:fld id="{1ABFA14F-DE9C-4D83-8C58-D4C03BB9FF78}" type="datetimeFigureOut">
               <a:rPr lang="zh-CN" altLang="en-US" smtClean="0"/>
-              <a:t>2017/5/19</a:t>
+              <a:t>2017/8/16</a:t>
             </a:fld>
             <a:endParaRPr lang="zh-CN" altLang="en-US"/>
           </a:p>
@@ -3117,7 +3117,7 @@
           <a:p>
             <a:fld id="{1ABFA14F-DE9C-4D83-8C58-D4C03BB9FF78}" type="datetimeFigureOut">
               <a:rPr lang="zh-CN" altLang="en-US" smtClean="0"/>
-              <a:t>2017/5/19</a:t>
+              <a:t>2017/8/16</a:t>
             </a:fld>
             <a:endParaRPr lang="zh-CN" altLang="en-US"/>
           </a:p>
@@ -3342,7 +3342,7 @@
           <a:p>
             <a:fld id="{1ABFA14F-DE9C-4D83-8C58-D4C03BB9FF78}" type="datetimeFigureOut">
               <a:rPr lang="zh-CN" altLang="en-US" smtClean="0"/>
-              <a:t>2017/5/19</a:t>
+              <a:t>2017/8/16</a:t>
             </a:fld>
             <a:endParaRPr lang="zh-CN" altLang="en-US"/>
           </a:p>
@@ -3567,7 +3567,7 @@
           <a:p>
             <a:fld id="{1ABFA14F-DE9C-4D83-8C58-D4C03BB9FF78}" type="datetimeFigureOut">
               <a:rPr lang="zh-CN" altLang="en-US" smtClean="0"/>
-              <a:t>2017/5/19</a:t>
+              <a:t>2017/8/16</a:t>
             </a:fld>
             <a:endParaRPr lang="zh-CN" altLang="en-US"/>
           </a:p>
@@ -3792,7 +3792,7 @@
           <a:p>
             <a:fld id="{1ABFA14F-DE9C-4D83-8C58-D4C03BB9FF78}" type="datetimeFigureOut">
               <a:rPr lang="zh-CN" altLang="en-US" smtClean="0"/>
-              <a:t>2017/5/19</a:t>
+              <a:t>2017/8/16</a:t>
             </a:fld>
             <a:endParaRPr lang="zh-CN" altLang="en-US"/>
           </a:p>
@@ -4017,7 +4017,7 @@
           <a:p>
             <a:fld id="{1ABFA14F-DE9C-4D83-8C58-D4C03BB9FF78}" type="datetimeFigureOut">
               <a:rPr lang="zh-CN" altLang="en-US" smtClean="0"/>
-              <a:t>2017/5/19</a:t>
+              <a:t>2017/8/16</a:t>
             </a:fld>
             <a:endParaRPr lang="zh-CN" altLang="en-US"/>
           </a:p>
@@ -4242,7 +4242,7 @@
           <a:p>
             <a:fld id="{1ABFA14F-DE9C-4D83-8C58-D4C03BB9FF78}" type="datetimeFigureOut">
               <a:rPr lang="zh-CN" altLang="en-US" smtClean="0"/>
-              <a:t>2017/5/19</a:t>
+              <a:t>2017/8/16</a:t>
             </a:fld>
             <a:endParaRPr lang="zh-CN" altLang="en-US"/>
           </a:p>
@@ -4467,7 +4467,7 @@
           <a:p>
             <a:fld id="{1ABFA14F-DE9C-4D83-8C58-D4C03BB9FF78}" type="datetimeFigureOut">
               <a:rPr lang="zh-CN" altLang="en-US" smtClean="0"/>
-              <a:t>2017/5/19</a:t>
+              <a:t>2017/8/16</a:t>
             </a:fld>
             <a:endParaRPr lang="zh-CN" altLang="en-US"/>
           </a:p>
@@ -4692,7 +4692,7 @@
           <a:p>
             <a:fld id="{1ABFA14F-DE9C-4D83-8C58-D4C03BB9FF78}" type="datetimeFigureOut">
               <a:rPr lang="zh-CN" altLang="en-US" smtClean="0"/>
-              <a:t>2017/5/19</a:t>
+              <a:t>2017/8/16</a:t>
             </a:fld>
             <a:endParaRPr lang="zh-CN" altLang="en-US"/>
           </a:p>
@@ -4917,7 +4917,7 @@
           <a:p>
             <a:fld id="{1ABFA14F-DE9C-4D83-8C58-D4C03BB9FF78}" type="datetimeFigureOut">
               <a:rPr lang="zh-CN" altLang="en-US" smtClean="0"/>
-              <a:t>2017/5/19</a:t>
+              <a:t>2017/8/16</a:t>
             </a:fld>
             <a:endParaRPr lang="zh-CN" altLang="en-US"/>
           </a:p>
@@ -5142,7 +5142,7 @@
           <a:p>
             <a:fld id="{1ABFA14F-DE9C-4D83-8C58-D4C03BB9FF78}" type="datetimeFigureOut">
               <a:rPr lang="zh-CN" altLang="en-US" smtClean="0"/>
-              <a:t>2017/5/19</a:t>
+              <a:t>2017/8/16</a:t>
             </a:fld>
             <a:endParaRPr lang="zh-CN" altLang="en-US"/>
           </a:p>
@@ -5476,7 +5476,7 @@
           <a:p>
             <a:fld id="{1ABFA14F-DE9C-4D83-8C58-D4C03BB9FF78}" type="datetimeFigureOut">
               <a:rPr lang="zh-CN" altLang="en-US" smtClean="0"/>
-              <a:t>2017/5/19</a:t>
+              <a:t>2017/8/16</a:t>
             </a:fld>
             <a:endParaRPr lang="zh-CN" altLang="en-US"/>
           </a:p>
@@ -5627,7 +5627,7 @@
           <a:p>
             <a:fld id="{1ABFA14F-DE9C-4D83-8C58-D4C03BB9FF78}" type="datetimeFigureOut">
               <a:rPr lang="zh-CN" altLang="en-US" smtClean="0"/>
-              <a:t>2017/5/19</a:t>
+              <a:t>2017/8/16</a:t>
             </a:fld>
             <a:endParaRPr lang="zh-CN" altLang="en-US"/>
           </a:p>
@@ -5852,7 +5852,7 @@
           <a:p>
             <a:fld id="{1ABFA14F-DE9C-4D83-8C58-D4C03BB9FF78}" type="datetimeFigureOut">
               <a:rPr lang="zh-CN" altLang="en-US" smtClean="0"/>
-              <a:t>2017/5/19</a:t>
+              <a:t>2017/8/16</a:t>
             </a:fld>
             <a:endParaRPr lang="zh-CN" altLang="en-US"/>
           </a:p>
@@ -6077,7 +6077,7 @@
           <a:p>
             <a:fld id="{1ABFA14F-DE9C-4D83-8C58-D4C03BB9FF78}" type="datetimeFigureOut">
               <a:rPr lang="zh-CN" altLang="en-US" smtClean="0"/>
-              <a:t>2017/5/19</a:t>
+              <a:t>2017/8/16</a:t>
             </a:fld>
             <a:endParaRPr lang="zh-CN" altLang="en-US"/>
           </a:p>
@@ -6302,7 +6302,7 @@
           <a:p>
             <a:fld id="{1ABFA14F-DE9C-4D83-8C58-D4C03BB9FF78}" type="datetimeFigureOut">
               <a:rPr lang="zh-CN" altLang="en-US" smtClean="0"/>
-              <a:t>2017/5/19</a:t>
+              <a:t>2017/8/16</a:t>
             </a:fld>
             <a:endParaRPr lang="zh-CN" altLang="en-US"/>
           </a:p>
@@ -6527,7 +6527,7 @@
           <a:p>
             <a:fld id="{1ABFA14F-DE9C-4D83-8C58-D4C03BB9FF78}" type="datetimeFigureOut">
               <a:rPr lang="zh-CN" altLang="en-US" smtClean="0"/>
-              <a:t>2017/5/19</a:t>
+              <a:t>2017/8/16</a:t>
             </a:fld>
             <a:endParaRPr lang="zh-CN" altLang="en-US"/>
           </a:p>
@@ -6752,7 +6752,7 @@
           <a:p>
             <a:fld id="{1ABFA14F-DE9C-4D83-8C58-D4C03BB9FF78}" type="datetimeFigureOut">
               <a:rPr lang="zh-CN" altLang="en-US" smtClean="0"/>
-              <a:t>2017/5/19</a:t>
+              <a:t>2017/8/16</a:t>
             </a:fld>
             <a:endParaRPr lang="zh-CN" altLang="en-US"/>
           </a:p>
@@ -6977,7 +6977,7 @@
           <a:p>
             <a:fld id="{1ABFA14F-DE9C-4D83-8C58-D4C03BB9FF78}" type="datetimeFigureOut">
               <a:rPr lang="zh-CN" altLang="en-US" smtClean="0"/>
-              <a:t>2017/5/19</a:t>
+              <a:t>2017/8/16</a:t>
             </a:fld>
             <a:endParaRPr lang="zh-CN" altLang="en-US"/>
           </a:p>
@@ -7202,7 +7202,7 @@
           <a:p>
             <a:fld id="{1ABFA14F-DE9C-4D83-8C58-D4C03BB9FF78}" type="datetimeFigureOut">
               <a:rPr lang="zh-CN" altLang="en-US" smtClean="0"/>
-              <a:t>2017/5/19</a:t>
+              <a:t>2017/8/16</a:t>
             </a:fld>
             <a:endParaRPr lang="zh-CN" altLang="en-US"/>
           </a:p>
@@ -7427,7 +7427,7 @@
           <a:p>
             <a:fld id="{1ABFA14F-DE9C-4D83-8C58-D4C03BB9FF78}" type="datetimeFigureOut">
               <a:rPr lang="zh-CN" altLang="en-US" smtClean="0"/>
-              <a:t>2017/5/19</a:t>
+              <a:t>2017/8/16</a:t>
             </a:fld>
             <a:endParaRPr lang="zh-CN" altLang="en-US"/>
           </a:p>
@@ -7652,7 +7652,7 @@
           <a:p>
             <a:fld id="{1ABFA14F-DE9C-4D83-8C58-D4C03BB9FF78}" type="datetimeFigureOut">
               <a:rPr lang="zh-CN" altLang="en-US" smtClean="0"/>
-              <a:t>2017/5/19</a:t>
+              <a:t>2017/8/16</a:t>
             </a:fld>
             <a:endParaRPr lang="zh-CN" altLang="en-US"/>
           </a:p>
@@ -7980,7 +7980,7 @@
           <a:p>
             <a:fld id="{1ABFA14F-DE9C-4D83-8C58-D4C03BB9FF78}" type="datetimeFigureOut">
               <a:rPr lang="zh-CN" altLang="en-US" smtClean="0"/>
-              <a:t>2017/5/19</a:t>
+              <a:t>2017/8/16</a:t>
             </a:fld>
             <a:endParaRPr lang="zh-CN" altLang="en-US"/>
           </a:p>
@@ -8077,7 +8077,7 @@
           <a:p>
             <a:fld id="{1ABFA14F-DE9C-4D83-8C58-D4C03BB9FF78}" type="datetimeFigureOut">
               <a:rPr lang="zh-CN" altLang="en-US" smtClean="0"/>
-              <a:t>2017/5/19</a:t>
+              <a:t>2017/8/16</a:t>
             </a:fld>
             <a:endParaRPr lang="zh-CN" altLang="en-US"/>
           </a:p>
@@ -8302,7 +8302,7 @@
           <a:p>
             <a:fld id="{1ABFA14F-DE9C-4D83-8C58-D4C03BB9FF78}" type="datetimeFigureOut">
               <a:rPr lang="zh-CN" altLang="en-US" smtClean="0"/>
-              <a:t>2017/5/19</a:t>
+              <a:t>2017/8/16</a:t>
             </a:fld>
             <a:endParaRPr lang="zh-CN" altLang="en-US"/>
           </a:p>
@@ -8527,7 +8527,7 @@
           <a:p>
             <a:fld id="{1ABFA14F-DE9C-4D83-8C58-D4C03BB9FF78}" type="datetimeFigureOut">
               <a:rPr lang="zh-CN" altLang="en-US" smtClean="0"/>
-              <a:t>2017/5/19</a:t>
+              <a:t>2017/8/16</a:t>
             </a:fld>
             <a:endParaRPr lang="zh-CN" altLang="en-US"/>
           </a:p>
@@ -8752,7 +8752,7 @@
           <a:p>
             <a:fld id="{1ABFA14F-DE9C-4D83-8C58-D4C03BB9FF78}" type="datetimeFigureOut">
               <a:rPr lang="zh-CN" altLang="en-US" smtClean="0"/>
-              <a:t>2017/5/19</a:t>
+              <a:t>2017/8/16</a:t>
             </a:fld>
             <a:endParaRPr lang="zh-CN" altLang="en-US"/>
           </a:p>
@@ -8977,7 +8977,7 @@
           <a:p>
             <a:fld id="{1ABFA14F-DE9C-4D83-8C58-D4C03BB9FF78}" type="datetimeFigureOut">
               <a:rPr lang="zh-CN" altLang="en-US" smtClean="0"/>
-              <a:t>2017/5/19</a:t>
+              <a:t>2017/8/16</a:t>
             </a:fld>
             <a:endParaRPr lang="zh-CN" altLang="en-US"/>
           </a:p>
@@ -9202,7 +9202,7 @@
           <a:p>
             <a:fld id="{1ABFA14F-DE9C-4D83-8C58-D4C03BB9FF78}" type="datetimeFigureOut">
               <a:rPr lang="zh-CN" altLang="en-US" smtClean="0"/>
-              <a:t>2017/5/19</a:t>
+              <a:t>2017/8/16</a:t>
             </a:fld>
             <a:endParaRPr lang="zh-CN" altLang="en-US"/>
           </a:p>
@@ -9427,7 +9427,7 @@
           <a:p>
             <a:fld id="{1ABFA14F-DE9C-4D83-8C58-D4C03BB9FF78}" type="datetimeFigureOut">
               <a:rPr lang="zh-CN" altLang="en-US" smtClean="0"/>
-              <a:t>2017/5/19</a:t>
+              <a:t>2017/8/16</a:t>
             </a:fld>
             <a:endParaRPr lang="zh-CN" altLang="en-US"/>
           </a:p>
@@ -9652,7 +9652,7 @@
           <a:p>
             <a:fld id="{1ABFA14F-DE9C-4D83-8C58-D4C03BB9FF78}" type="datetimeFigureOut">
               <a:rPr lang="zh-CN" altLang="en-US" smtClean="0"/>
-              <a:t>2017/5/19</a:t>
+              <a:t>2017/8/16</a:t>
             </a:fld>
             <a:endParaRPr lang="zh-CN" altLang="en-US"/>
           </a:p>
@@ -9991,7 +9991,7 @@
           <a:p>
             <a:fld id="{1ABFA14F-DE9C-4D83-8C58-D4C03BB9FF78}" type="datetimeFigureOut">
               <a:rPr lang="zh-CN" altLang="en-US" smtClean="0"/>
-              <a:t>2017/5/19</a:t>
+              <a:t>2017/8/16</a:t>
             </a:fld>
             <a:endParaRPr lang="zh-CN" altLang="en-US"/>
           </a:p>
@@ -10225,7 +10225,7 @@
           <a:p>
             <a:fld id="{1ABFA14F-DE9C-4D83-8C58-D4C03BB9FF78}" type="datetimeFigureOut">
               <a:rPr lang="zh-CN" altLang="en-US" smtClean="0"/>
-              <a:t>2017/5/19</a:t>
+              <a:t>2017/8/16</a:t>
             </a:fld>
             <a:endParaRPr lang="zh-CN" altLang="en-US"/>
           </a:p>
@@ -10568,7 +10568,7 @@
           <a:p>
             <a:fld id="{1ABFA14F-DE9C-4D83-8C58-D4C03BB9FF78}" type="datetimeFigureOut">
               <a:rPr lang="zh-CN" altLang="en-US" smtClean="0"/>
-              <a:t>2017/5/19</a:t>
+              <a:t>2017/8/16</a:t>
             </a:fld>
             <a:endParaRPr lang="zh-CN" altLang="en-US"/>
           </a:p>
@@ -10822,7 +10822,7 @@
           <a:p>
             <a:fld id="{1ABFA14F-DE9C-4D83-8C58-D4C03BB9FF78}" type="datetimeFigureOut">
               <a:rPr lang="zh-CN" altLang="en-US" smtClean="0"/>
-              <a:t>2017/5/19</a:t>
+              <a:t>2017/8/16</a:t>
             </a:fld>
             <a:endParaRPr lang="zh-CN" altLang="en-US"/>
           </a:p>
@@ -11160,7 +11160,7 @@
           <a:p>
             <a:fld id="{1ABFA14F-DE9C-4D83-8C58-D4C03BB9FF78}" type="datetimeFigureOut">
               <a:rPr lang="zh-CN" altLang="en-US" smtClean="0"/>
-              <a:t>2017/5/19</a:t>
+              <a:t>2017/8/16</a:t>
             </a:fld>
             <a:endParaRPr lang="zh-CN" altLang="en-US"/>
           </a:p>
@@ -11611,7 +11611,7 @@
           <a:p>
             <a:fld id="{1ABFA14F-DE9C-4D83-8C58-D4C03BB9FF78}" type="datetimeFigureOut">
               <a:rPr lang="zh-CN" altLang="en-US" smtClean="0"/>
-              <a:t>2017/5/19</a:t>
+              <a:t>2017/8/16</a:t>
             </a:fld>
             <a:endParaRPr lang="zh-CN" altLang="en-US"/>
           </a:p>
@@ -11911,7 +11911,7 @@
           <a:p>
             <a:fld id="{1ABFA14F-DE9C-4D83-8C58-D4C03BB9FF78}" type="datetimeFigureOut">
               <a:rPr lang="zh-CN" altLang="en-US" smtClean="0"/>
-              <a:t>2017/5/19</a:t>
+              <a:t>2017/8/16</a:t>
             </a:fld>
             <a:endParaRPr lang="zh-CN" altLang="en-US"/>
           </a:p>
@@ -12036,7 +12036,7 @@
           <a:p>
             <a:fld id="{1ABFA14F-DE9C-4D83-8C58-D4C03BB9FF78}" type="datetimeFigureOut">
               <a:rPr lang="zh-CN" altLang="en-US" smtClean="0"/>
-              <a:t>2017/5/19</a:t>
+              <a:t>2017/8/16</a:t>
             </a:fld>
             <a:endParaRPr lang="zh-CN" altLang="en-US"/>
           </a:p>
@@ -12303,7 +12303,7 @@
           <a:p>
             <a:fld id="{1ABFA14F-DE9C-4D83-8C58-D4C03BB9FF78}" type="datetimeFigureOut">
               <a:rPr lang="zh-CN" altLang="en-US" smtClean="0"/>
-              <a:t>2017/5/19</a:t>
+              <a:t>2017/8/16</a:t>
             </a:fld>
             <a:endParaRPr lang="zh-CN" altLang="en-US"/>
           </a:p>
@@ -12508,7 +12508,7 @@
           <a:p>
             <a:fld id="{1ABFA14F-DE9C-4D83-8C58-D4C03BB9FF78}" type="datetimeFigureOut">
               <a:rPr lang="zh-CN" altLang="en-US" smtClean="0"/>
-              <a:t>2017/5/19</a:t>
+              <a:t>2017/8/16</a:t>
             </a:fld>
             <a:endParaRPr lang="zh-CN" altLang="en-US"/>
           </a:p>
@@ -12605,7 +12605,7 @@
           <a:p>
             <a:fld id="{1ABFA14F-DE9C-4D83-8C58-D4C03BB9FF78}" type="datetimeFigureOut">
               <a:rPr lang="zh-CN" altLang="en-US" smtClean="0"/>
-              <a:t>2017/5/19</a:t>
+              <a:t>2017/8/16</a:t>
             </a:fld>
             <a:endParaRPr lang="zh-CN" altLang="en-US"/>
           </a:p>
@@ -13184,7 +13184,7 @@
           <a:p>
             <a:fld id="{1ABFA14F-DE9C-4D83-8C58-D4C03BB9FF78}" type="datetimeFigureOut">
               <a:rPr lang="zh-CN" altLang="en-US" smtClean="0"/>
-              <a:t>2017/5/19</a:t>
+              <a:t>2017/8/16</a:t>
             </a:fld>
             <a:endParaRPr lang="zh-CN" altLang="en-US"/>
           </a:p>
@@ -13484,7 +13484,7 @@
           <a:p>
             <a:fld id="{1ABFA14F-DE9C-4D83-8C58-D4C03BB9FF78}" type="datetimeFigureOut">
               <a:rPr lang="zh-CN" altLang="en-US" smtClean="0"/>
-              <a:t>2017/5/19</a:t>
+              <a:t>2017/8/16</a:t>
             </a:fld>
             <a:endParaRPr lang="zh-CN" altLang="en-US"/>
           </a:p>
@@ -13609,7 +13609,7 @@
           <a:p>
             <a:fld id="{1ABFA14F-DE9C-4D83-8C58-D4C03BB9FF78}" type="datetimeFigureOut">
               <a:rPr lang="zh-CN" altLang="en-US" smtClean="0"/>
-              <a:t>2017/5/19</a:t>
+              <a:t>2017/8/16</a:t>
             </a:fld>
             <a:endParaRPr lang="zh-CN" altLang="en-US"/>
           </a:p>
@@ -13876,7 +13876,7 @@
           <a:p>
             <a:fld id="{1ABFA14F-DE9C-4D83-8C58-D4C03BB9FF78}" type="datetimeFigureOut">
               <a:rPr lang="zh-CN" altLang="en-US" smtClean="0"/>
-              <a:t>2017/5/19</a:t>
+              <a:t>2017/8/16</a:t>
             </a:fld>
             <a:endParaRPr lang="zh-CN" altLang="en-US"/>
           </a:p>
@@ -14081,7 +14081,7 @@
           <a:p>
             <a:fld id="{1ABFA14F-DE9C-4D83-8C58-D4C03BB9FF78}" type="datetimeFigureOut">
               <a:rPr lang="zh-CN" altLang="en-US" smtClean="0"/>
-              <a:t>2017/5/19</a:t>
+              <a:t>2017/8/16</a:t>
             </a:fld>
             <a:endParaRPr lang="zh-CN" altLang="en-US"/>
           </a:p>
@@ -14392,7 +14392,7 @@
           <a:p>
             <a:fld id="{1ABFA14F-DE9C-4D83-8C58-D4C03BB9FF78}" type="datetimeFigureOut">
               <a:rPr lang="zh-CN" altLang="en-US" smtClean="0"/>
-              <a:t>2017/5/19</a:t>
+              <a:t>2017/8/16</a:t>
             </a:fld>
             <a:endParaRPr lang="zh-CN" altLang="en-US"/>
           </a:p>
@@ -15193,7 +15193,7 @@
           <a:p>
             <a:fld id="{1ABFA14F-DE9C-4D83-8C58-D4C03BB9FF78}" type="datetimeFigureOut">
               <a:rPr lang="zh-CN" altLang="en-US" smtClean="0"/>
-              <a:t>2017/5/19</a:t>
+              <a:t>2017/8/16</a:t>
             </a:fld>
             <a:endParaRPr lang="zh-CN" altLang="en-US"/>
           </a:p>
@@ -21817,53 +21817,6 @@
               <a:t>练习</a:t>
             </a:r>
             <a:endParaRPr lang="en-US" altLang="zh-CN" sz="4000" dirty="0"/>
-          </a:p>
-        </p:txBody>
-      </p:sp>
-      <p:sp>
-        <p:nvSpPr>
-          <p:cNvPr id="3" name="矩形 2"/>
-          <p:cNvSpPr/>
-          <p:nvPr/>
-        </p:nvSpPr>
-        <p:spPr>
-          <a:xfrm>
-            <a:off x="9033309" y="5040102"/>
-            <a:ext cx="2698175" cy="637675"/>
-          </a:xfrm>
-          <a:prstGeom prst="rect">
-            <a:avLst/>
-          </a:prstGeom>
-        </p:spPr>
-        <p:txBody>
-          <a:bodyPr wrap="none">
-            <a:spAutoFit/>
-          </a:bodyPr>
-          <a:lstStyle/>
-          <a:p>
-            <a:pPr>
-              <a:lnSpc>
-                <a:spcPct val="150000"/>
-              </a:lnSpc>
-            </a:pPr>
-            <a:r>
-              <a:rPr lang="zh-CN" altLang="en-US" sz="2800" dirty="0" smtClean="0">
-                <a:latin typeface="+mj-ea"/>
-                <a:ea typeface="+mj-ea"/>
-              </a:rPr>
-              <a:t>实例：</a:t>
-            </a:r>
-            <a:r>
-              <a:rPr lang="en-US" altLang="zh-CN" sz="2800" dirty="0" smtClean="0">
-                <a:latin typeface="+mj-ea"/>
-                <a:ea typeface="+mj-ea"/>
-              </a:rPr>
-              <a:t>demo-8-2</a:t>
-            </a:r>
-            <a:endParaRPr lang="zh-CN" altLang="en-US" sz="2800" dirty="0" smtClean="0">
-              <a:latin typeface="+mj-ea"/>
-              <a:ea typeface="+mj-ea"/>
-            </a:endParaRPr>
           </a:p>
         </p:txBody>
       </p:sp>
